--- a/pre_draft.pptx
+++ b/pre_draft.pptx
@@ -8,8 +8,8 @@
     <p:sldId id="256" r:id="rId2"/>
     <p:sldId id="257" r:id="rId3"/>
     <p:sldId id="259" r:id="rId4"/>
-    <p:sldId id="260" r:id="rId5"/>
-    <p:sldId id="263" r:id="rId6"/>
+    <p:sldId id="263" r:id="rId5"/>
+    <p:sldId id="260" r:id="rId6"/>
     <p:sldId id="264" r:id="rId7"/>
   </p:sldIdLst>
   <p:sldSz cx="12192000" cy="6858000"/>
@@ -109,6 +109,11 @@
       </a:defRPr>
     </a:lvl9pPr>
   </p:defaultTextStyle>
+  <p:extLst>
+    <p:ext uri="{EFAFB233-063F-42B5-8137-9DF3F51BA10A}">
+      <p15:sldGuideLst xmlns:p15="http://schemas.microsoft.com/office/powerpoint/2012/main"/>
+    </p:ext>
+  </p:extLst>
 </p:presentation>
 </file>
 
@@ -3472,13 +3477,13 @@
           <a:p>
             <a:r>
               <a:rPr lang="en-CA" dirty="0"/>
+              <a:t>Competitor pricing and industry benchmarks.</a:t>
+            </a:r>
+          </a:p>
+          <a:p>
+            <a:r>
+              <a:rPr lang="en-CA" dirty="0"/>
               <a:t>Analysis of the pay‑as‑you‑go cost distribution and the potential unlimited plan.</a:t>
-            </a:r>
-          </a:p>
-          <a:p>
-            <a:r>
-              <a:rPr lang="en-CA" dirty="0"/>
-              <a:t>Competitor pricing and industry benchmarks.</a:t>
             </a:r>
           </a:p>
           <a:p>
@@ -4026,94 +4031,6 @@
           <p:cNvPr id="2" name="Title 1">
             <a:extLst>
               <a:ext uri="{FF2B5EF4-FFF2-40B4-BE49-F238E27FC236}">
-                <a16:creationId xmlns:a16="http://schemas.microsoft.com/office/drawing/2014/main" id="{62A38A3C-5A3D-8153-372F-D9BAC3D03484}"/>
-              </a:ext>
-            </a:extLst>
-          </p:cNvPr>
-          <p:cNvSpPr>
-            <a:spLocks noGrp="1"/>
-          </p:cNvSpPr>
-          <p:nvPr>
-            <p:ph type="title"/>
-          </p:nvPr>
-        </p:nvSpPr>
-        <p:spPr/>
-        <p:txBody>
-          <a:bodyPr/>
-          <a:lstStyle/>
-          <a:p>
-            <a:r>
-              <a:rPr lang="en-CA" dirty="0"/>
-              <a:t>Unlimited Plan Analysis</a:t>
-            </a:r>
-            <a:endParaRPr lang="en-US" dirty="0"/>
-          </a:p>
-        </p:txBody>
-      </p:sp>
-      <p:pic>
-        <p:nvPicPr>
-          <p:cNvPr id="5" name="Content Placeholder 4" descr="A comparison of a comparison of a cost distribution&#10;&#10;AI-generated content may be incorrect.">
-            <a:extLst>
-              <a:ext uri="{FF2B5EF4-FFF2-40B4-BE49-F238E27FC236}">
-                <a16:creationId xmlns:a16="http://schemas.microsoft.com/office/drawing/2014/main" id="{045D73B4-24B6-85B5-F965-EDB9132B7E10}"/>
-              </a:ext>
-            </a:extLst>
-          </p:cNvPr>
-          <p:cNvPicPr>
-            <a:picLocks noGrp="1" noChangeAspect="1"/>
-          </p:cNvPicPr>
-          <p:nvPr>
-            <p:ph idx="1"/>
-          </p:nvPr>
-        </p:nvPicPr>
-        <p:blipFill>
-          <a:blip r:embed="rId2"/>
-          <a:stretch>
-            <a:fillRect/>
-          </a:stretch>
-        </p:blipFill>
-        <p:spPr>
-          <a:xfrm>
-            <a:off x="838200" y="1762195"/>
-            <a:ext cx="10515600" cy="4730680"/>
-          </a:xfrm>
-        </p:spPr>
-      </p:pic>
-    </p:spTree>
-    <p:extLst>
-      <p:ext uri="{BB962C8B-B14F-4D97-AF65-F5344CB8AC3E}">
-        <p14:creationId xmlns:p14="http://schemas.microsoft.com/office/powerpoint/2010/main" val="2469105908"/>
-      </p:ext>
-    </p:extLst>
-  </p:cSld>
-  <p:clrMapOvr>
-    <a:masterClrMapping/>
-  </p:clrMapOvr>
-</p:sld>
-</file>
-
-<file path=ppt/slides/slide5.xml><?xml version="1.0" encoding="utf-8"?>
-<p:sld xmlns:a="http://schemas.openxmlformats.org/drawingml/2006/main" xmlns:r="http://schemas.openxmlformats.org/officeDocument/2006/relationships" xmlns:p="http://schemas.openxmlformats.org/presentationml/2006/main">
-  <p:cSld>
-    <p:spTree>
-      <p:nvGrpSpPr>
-        <p:cNvPr id="1" name=""/>
-        <p:cNvGrpSpPr/>
-        <p:nvPr/>
-      </p:nvGrpSpPr>
-      <p:grpSpPr>
-        <a:xfrm>
-          <a:off x="0" y="0"/>
-          <a:ext cx="0" cy="0"/>
-          <a:chOff x="0" y="0"/>
-          <a:chExt cx="0" cy="0"/>
-        </a:xfrm>
-      </p:grpSpPr>
-      <p:sp>
-        <p:nvSpPr>
-          <p:cNvPr id="2" name="Title 1">
-            <a:extLst>
-              <a:ext uri="{FF2B5EF4-FFF2-40B4-BE49-F238E27FC236}">
                 <a16:creationId xmlns:a16="http://schemas.microsoft.com/office/drawing/2014/main" id="{B25A042A-1239-8617-E93A-6BC8291D627A}"/>
               </a:ext>
             </a:extLst>
@@ -4276,10 +4193,10 @@
                     <a:lstStyle/>
                     <a:p>
                       <a:r>
-                        <a:rPr lang="en-CA" b="1"/>
+                        <a:rPr lang="en-CA" b="1" dirty="0" err="1"/>
                         <a:t>Klaviyo</a:t>
                       </a:r>
-                      <a:endParaRPr lang="en-CA"/>
+                      <a:endParaRPr lang="en-CA" dirty="0"/>
                     </a:p>
                   </a:txBody>
                   <a:tcPr anchor="ctr"/>
@@ -4336,10 +4253,10 @@
                     <a:lstStyle/>
                     <a:p>
                       <a:r>
-                        <a:rPr lang="en-CA" b="1"/>
+                        <a:rPr lang="en-CA" b="1" dirty="0" err="1"/>
                         <a:t>Omnisend</a:t>
                       </a:r>
-                      <a:endParaRPr lang="en-CA"/>
+                      <a:endParaRPr lang="en-CA" dirty="0"/>
                     </a:p>
                   </a:txBody>
                   <a:tcPr anchor="ctr"/>
@@ -4576,6 +4493,94 @@
 </p:sld>
 </file>
 
+<file path=ppt/slides/slide5.xml><?xml version="1.0" encoding="utf-8"?>
+<p:sld xmlns:a="http://schemas.openxmlformats.org/drawingml/2006/main" xmlns:r="http://schemas.openxmlformats.org/officeDocument/2006/relationships" xmlns:p="http://schemas.openxmlformats.org/presentationml/2006/main">
+  <p:cSld>
+    <p:spTree>
+      <p:nvGrpSpPr>
+        <p:cNvPr id="1" name=""/>
+        <p:cNvGrpSpPr/>
+        <p:nvPr/>
+      </p:nvGrpSpPr>
+      <p:grpSpPr>
+        <a:xfrm>
+          <a:off x="0" y="0"/>
+          <a:ext cx="0" cy="0"/>
+          <a:chOff x="0" y="0"/>
+          <a:chExt cx="0" cy="0"/>
+        </a:xfrm>
+      </p:grpSpPr>
+      <p:sp>
+        <p:nvSpPr>
+          <p:cNvPr id="2" name="Title 1">
+            <a:extLst>
+              <a:ext uri="{FF2B5EF4-FFF2-40B4-BE49-F238E27FC236}">
+                <a16:creationId xmlns:a16="http://schemas.microsoft.com/office/drawing/2014/main" id="{62A38A3C-5A3D-8153-372F-D9BAC3D03484}"/>
+              </a:ext>
+            </a:extLst>
+          </p:cNvPr>
+          <p:cNvSpPr>
+            <a:spLocks noGrp="1"/>
+          </p:cNvSpPr>
+          <p:nvPr>
+            <p:ph type="title"/>
+          </p:nvPr>
+        </p:nvSpPr>
+        <p:spPr/>
+        <p:txBody>
+          <a:bodyPr/>
+          <a:lstStyle/>
+          <a:p>
+            <a:r>
+              <a:rPr lang="en-CA" dirty="0"/>
+              <a:t>Unlimited Plan Analysis</a:t>
+            </a:r>
+            <a:endParaRPr lang="en-US" dirty="0"/>
+          </a:p>
+        </p:txBody>
+      </p:sp>
+      <p:pic>
+        <p:nvPicPr>
+          <p:cNvPr id="5" name="Content Placeholder 4" descr="A comparison of a comparison of a cost distribution&#10;&#10;AI-generated content may be incorrect.">
+            <a:extLst>
+              <a:ext uri="{FF2B5EF4-FFF2-40B4-BE49-F238E27FC236}">
+                <a16:creationId xmlns:a16="http://schemas.microsoft.com/office/drawing/2014/main" id="{045D73B4-24B6-85B5-F965-EDB9132B7E10}"/>
+              </a:ext>
+            </a:extLst>
+          </p:cNvPr>
+          <p:cNvPicPr>
+            <a:picLocks noGrp="1" noChangeAspect="1"/>
+          </p:cNvPicPr>
+          <p:nvPr>
+            <p:ph idx="1"/>
+          </p:nvPr>
+        </p:nvPicPr>
+        <p:blipFill>
+          <a:blip r:embed="rId2"/>
+          <a:stretch>
+            <a:fillRect/>
+          </a:stretch>
+        </p:blipFill>
+        <p:spPr>
+          <a:xfrm>
+            <a:off x="838200" y="1762195"/>
+            <a:ext cx="10515600" cy="4730680"/>
+          </a:xfrm>
+        </p:spPr>
+      </p:pic>
+    </p:spTree>
+    <p:extLst>
+      <p:ext uri="{BB962C8B-B14F-4D97-AF65-F5344CB8AC3E}">
+        <p14:creationId xmlns:p14="http://schemas.microsoft.com/office/powerpoint/2010/main" val="2469105908"/>
+      </p:ext>
+    </p:extLst>
+  </p:cSld>
+  <p:clrMapOvr>
+    <a:masterClrMapping/>
+  </p:clrMapOvr>
+</p:sld>
+</file>
+
 <file path=ppt/slides/slide6.xml><?xml version="1.0" encoding="utf-8"?>
 <p:sld xmlns:a="http://schemas.openxmlformats.org/drawingml/2006/main" xmlns:r="http://schemas.openxmlformats.org/officeDocument/2006/relationships" xmlns:p="http://schemas.openxmlformats.org/presentationml/2006/main">
   <p:cSld>
@@ -4651,7 +4656,7 @@
             </a:r>
             <a:r>
               <a:rPr lang="en-CA" sz="1700" dirty="0"/>
-              <a:t>: Suggest a monthly fee around $10–15 to capture most merchants without undercutting margins.</a:t>
+              <a:t>: monthly fee around $10–15 to capture most merchants without undercutting margins.</a:t>
             </a:r>
           </a:p>
           <a:p>
